--- a/CSI2004 Advanced DataBase Management System/Reference Materials/34_Temporal database.pptx
+++ b/CSI2004 Advanced DataBase Management System/Reference Materials/34_Temporal database.pptx
@@ -8915,7 +8915,12 @@
             <p:ph idx="1"/>
           </p:nvPr>
         </p:nvSpPr>
-        <p:spPr/>
+        <p:spPr>
+          <a:xfrm>
+            <a:off x="239713" y="1600200"/>
+            <a:ext cx="8675687" cy="4572000"/>
+          </a:xfrm>
+        </p:spPr>
         <p:txBody>
           <a:bodyPr/>
           <a:lstStyle/>
@@ -9774,7 +9779,12 @@
             <p:ph idx="1"/>
           </p:nvPr>
         </p:nvSpPr>
-        <p:spPr/>
+        <p:spPr>
+          <a:xfrm>
+            <a:off x="239713" y="1600200"/>
+            <a:ext cx="8675687" cy="4572000"/>
+          </a:xfrm>
+        </p:spPr>
         <p:txBody>
           <a:bodyPr/>
           <a:lstStyle/>
